--- a/others/final presentation.pptx
+++ b/others/final presentation.pptx
@@ -212,7 +212,7 @@
             <a:srgbClr val="A4A3A4"/>
           </p15:clr>
         </p15:guide>
-        <p15:guide id="2" pos="2918" userDrawn="1">
+        <p15:guide id="2" pos="2895" userDrawn="1">
           <p15:clr>
             <a:srgbClr val="A4A3A4"/>
           </p15:clr>
@@ -3369,6 +3369,31 @@
           </a:p>
         </p:txBody>
       </p:sp>
+      <p:sp>
+        <p:nvSpPr>
+          <p:cNvPr id="2" name="Text Box 1"/>
+          <p:cNvSpPr txBox="1"/>
+          <p:nvPr/>
+        </p:nvSpPr>
+        <p:spPr>
+          <a:xfrm>
+            <a:off x="1450340" y="6051550"/>
+            <a:ext cx="5426075" cy="368300"/>
+          </a:xfrm>
+          <a:prstGeom prst="rect">
+            <a:avLst/>
+          </a:prstGeom>
+          <a:noFill/>
+        </p:spPr>
+        <p:txBody>
+          <a:bodyPr wrap="square" rtlCol="0">
+            <a:spAutoFit/>
+          </a:bodyPr>
+          <a:p>
+            <a:endParaRPr lang="en-US"/>
+          </a:p>
+        </p:txBody>
+      </p:sp>
     </p:spTree>
   </p:cSld>
   <p:clrMapOvr>
@@ -3454,6 +3479,135 @@
               <a:latin typeface="Times New Roman" panose="02020603050405020304" charset="0"/>
               <a:cs typeface="Times New Roman" panose="02020603050405020304" charset="0"/>
             </a:endParaRPr>
+          </a:p>
+        </p:txBody>
+      </p:sp>
+      <p:sp>
+        <p:nvSpPr>
+          <p:cNvPr id="4" name="Text Box 3"/>
+          <p:cNvSpPr txBox="1"/>
+          <p:nvPr/>
+        </p:nvSpPr>
+        <p:spPr>
+          <a:xfrm>
+            <a:off x="2432050" y="5641340"/>
+            <a:ext cx="4444365" cy="1337945"/>
+          </a:xfrm>
+          <a:prstGeom prst="rect">
+            <a:avLst/>
+          </a:prstGeom>
+          <a:noFill/>
+        </p:spPr>
+        <p:txBody>
+          <a:bodyPr wrap="square" rtlCol="0">
+            <a:spAutoFit/>
+          </a:bodyPr>
+          <a:p>
+            <a:r>
+              <a:rPr lang="en-US" altLang="en-US" sz="900" b="1">
+                <a:latin typeface="+mn-lt"/>
+                <a:cs typeface="+mn-lt"/>
+                <a:sym typeface="+mn-ea"/>
+              </a:rPr>
+              <a:t>·Course: CSE115.2</a:t>
+            </a:r>
+            <a:endParaRPr lang="en-US" altLang="en-US" sz="900" b="1">
+              <a:latin typeface="+mn-lt"/>
+              <a:cs typeface="+mn-lt"/>
+            </a:endParaRPr>
+          </a:p>
+          <a:p>
+            <a:r>
+              <a:rPr lang="en-US" altLang="en-US" sz="900" b="1">
+                <a:latin typeface="+mn-lt"/>
+                <a:cs typeface="+mn-lt"/>
+                <a:sym typeface="+mn-ea"/>
+              </a:rPr>
+              <a:t>Group-4</a:t>
+            </a:r>
+            <a:endParaRPr lang="en-US" altLang="en-US" sz="900" b="1">
+              <a:latin typeface="+mn-lt"/>
+              <a:cs typeface="+mn-lt"/>
+            </a:endParaRPr>
+          </a:p>
+          <a:p>
+            <a:endParaRPr lang="en-US" altLang="en-US" sz="900" b="1">
+              <a:latin typeface="+mn-lt"/>
+              <a:cs typeface="+mn-lt"/>
+            </a:endParaRPr>
+          </a:p>
+          <a:p>
+            <a:r>
+              <a:rPr lang="en-US" altLang="en-US" sz="900" b="1">
+                <a:latin typeface="+mn-lt"/>
+                <a:cs typeface="+mn-lt"/>
+                <a:sym typeface="+mn-ea"/>
+              </a:rPr>
+              <a:t>Jayonti Sarker                         1911069042</a:t>
+            </a:r>
+            <a:endParaRPr lang="en-US" altLang="en-US" sz="900" b="1">
+              <a:latin typeface="+mn-lt"/>
+              <a:cs typeface="+mn-lt"/>
+            </a:endParaRPr>
+          </a:p>
+          <a:p>
+            <a:r>
+              <a:rPr lang="en-US" altLang="en-US" sz="900" b="1">
+                <a:latin typeface="+mn-lt"/>
+                <a:cs typeface="+mn-lt"/>
+                <a:sym typeface="+mn-ea"/>
+              </a:rPr>
+              <a:t>MD Nahim                               2514251042</a:t>
+            </a:r>
+            <a:endParaRPr lang="en-US" altLang="en-US" sz="900" b="1">
+              <a:latin typeface="+mn-lt"/>
+              <a:cs typeface="+mn-lt"/>
+            </a:endParaRPr>
+          </a:p>
+          <a:p>
+            <a:r>
+              <a:rPr lang="en-US" altLang="en-US" sz="900" b="1">
+                <a:latin typeface="+mn-lt"/>
+                <a:cs typeface="+mn-lt"/>
+                <a:sym typeface="+mn-ea"/>
+              </a:rPr>
+              <a:t>Mohammad Ali                        2512818642</a:t>
+            </a:r>
+            <a:endParaRPr lang="en-US" altLang="en-US" sz="900" b="1">
+              <a:latin typeface="+mn-lt"/>
+              <a:cs typeface="+mn-lt"/>
+            </a:endParaRPr>
+          </a:p>
+          <a:p>
+            <a:r>
+              <a:rPr lang="en-US" altLang="en-US" sz="900" b="1">
+                <a:latin typeface="+mn-lt"/>
+                <a:cs typeface="+mn-lt"/>
+                <a:sym typeface="+mn-ea"/>
+              </a:rPr>
+              <a:t>Afif Ahmed Chowdhury           2513880642</a:t>
+            </a:r>
+            <a:endParaRPr lang="en-US" altLang="en-US" sz="900" b="1">
+              <a:latin typeface="+mn-lt"/>
+              <a:cs typeface="+mn-lt"/>
+            </a:endParaRPr>
+          </a:p>
+          <a:p>
+            <a:r>
+              <a:rPr lang="en-US" altLang="en-US" sz="900" b="1">
+                <a:latin typeface="+mn-lt"/>
+                <a:cs typeface="+mn-lt"/>
+                <a:sym typeface="+mn-ea"/>
+              </a:rPr>
+              <a:t>Farden Hossain                      2512532642</a:t>
+            </a:r>
+            <a:endParaRPr lang="en-US" altLang="en-US" sz="900" b="1">
+              <a:latin typeface="+mn-lt"/>
+              <a:cs typeface="+mn-lt"/>
+            </a:endParaRPr>
+          </a:p>
+          <a:p>
+            <a:endParaRPr lang="en-US" sz="900"/>
           </a:p>
         </p:txBody>
       </p:sp>
@@ -3501,6 +3655,135 @@
           </a:prstGeom>
         </p:spPr>
       </p:pic>
+      <p:sp>
+        <p:nvSpPr>
+          <p:cNvPr id="2" name="Text Box 1"/>
+          <p:cNvSpPr txBox="1"/>
+          <p:nvPr/>
+        </p:nvSpPr>
+        <p:spPr>
+          <a:xfrm>
+            <a:off x="2359025" y="5714365"/>
+            <a:ext cx="3869055" cy="1337945"/>
+          </a:xfrm>
+          <a:prstGeom prst="rect">
+            <a:avLst/>
+          </a:prstGeom>
+          <a:noFill/>
+        </p:spPr>
+        <p:txBody>
+          <a:bodyPr wrap="square" rtlCol="0">
+            <a:spAutoFit/>
+          </a:bodyPr>
+          <a:p>
+            <a:r>
+              <a:rPr lang="en-US" altLang="en-US" sz="900" b="1">
+                <a:latin typeface="+mn-lt"/>
+                <a:cs typeface="+mn-lt"/>
+                <a:sym typeface="+mn-ea"/>
+              </a:rPr>
+              <a:t>·Course: CSE115.2</a:t>
+            </a:r>
+            <a:endParaRPr lang="en-US" altLang="en-US" sz="900" b="1">
+              <a:latin typeface="+mn-lt"/>
+              <a:cs typeface="+mn-lt"/>
+            </a:endParaRPr>
+          </a:p>
+          <a:p>
+            <a:r>
+              <a:rPr lang="en-US" altLang="en-US" sz="900" b="1">
+                <a:latin typeface="+mn-lt"/>
+                <a:cs typeface="+mn-lt"/>
+                <a:sym typeface="+mn-ea"/>
+              </a:rPr>
+              <a:t>Group-4</a:t>
+            </a:r>
+            <a:endParaRPr lang="en-US" altLang="en-US" sz="900" b="1">
+              <a:latin typeface="+mn-lt"/>
+              <a:cs typeface="+mn-lt"/>
+            </a:endParaRPr>
+          </a:p>
+          <a:p>
+            <a:endParaRPr lang="en-US" altLang="en-US" sz="900" b="1">
+              <a:latin typeface="+mn-lt"/>
+              <a:cs typeface="+mn-lt"/>
+            </a:endParaRPr>
+          </a:p>
+          <a:p>
+            <a:r>
+              <a:rPr lang="en-US" altLang="en-US" sz="900" b="1">
+                <a:latin typeface="+mn-lt"/>
+                <a:cs typeface="+mn-lt"/>
+                <a:sym typeface="+mn-ea"/>
+              </a:rPr>
+              <a:t>Jayonti Sarker                         1911069042</a:t>
+            </a:r>
+            <a:endParaRPr lang="en-US" altLang="en-US" sz="900" b="1">
+              <a:latin typeface="+mn-lt"/>
+              <a:cs typeface="+mn-lt"/>
+            </a:endParaRPr>
+          </a:p>
+          <a:p>
+            <a:r>
+              <a:rPr lang="en-US" altLang="en-US" sz="900" b="1">
+                <a:latin typeface="+mn-lt"/>
+                <a:cs typeface="+mn-lt"/>
+                <a:sym typeface="+mn-ea"/>
+              </a:rPr>
+              <a:t>MD Nahim                               2514251042</a:t>
+            </a:r>
+            <a:endParaRPr lang="en-US" altLang="en-US" sz="900" b="1">
+              <a:latin typeface="+mn-lt"/>
+              <a:cs typeface="+mn-lt"/>
+            </a:endParaRPr>
+          </a:p>
+          <a:p>
+            <a:r>
+              <a:rPr lang="en-US" altLang="en-US" sz="900" b="1">
+                <a:latin typeface="+mn-lt"/>
+                <a:cs typeface="+mn-lt"/>
+                <a:sym typeface="+mn-ea"/>
+              </a:rPr>
+              <a:t>Mohammad Ali                        2512818642</a:t>
+            </a:r>
+            <a:endParaRPr lang="en-US" altLang="en-US" sz="900" b="1">
+              <a:latin typeface="+mn-lt"/>
+              <a:cs typeface="+mn-lt"/>
+            </a:endParaRPr>
+          </a:p>
+          <a:p>
+            <a:r>
+              <a:rPr lang="en-US" altLang="en-US" sz="900" b="1">
+                <a:latin typeface="+mn-lt"/>
+                <a:cs typeface="+mn-lt"/>
+                <a:sym typeface="+mn-ea"/>
+              </a:rPr>
+              <a:t>Afif Ahmed Chowdhury           2513880642</a:t>
+            </a:r>
+            <a:endParaRPr lang="en-US" altLang="en-US" sz="900" b="1">
+              <a:latin typeface="+mn-lt"/>
+              <a:cs typeface="+mn-lt"/>
+            </a:endParaRPr>
+          </a:p>
+          <a:p>
+            <a:r>
+              <a:rPr lang="en-US" altLang="en-US" sz="900" b="1">
+                <a:latin typeface="+mn-lt"/>
+                <a:cs typeface="+mn-lt"/>
+                <a:sym typeface="+mn-ea"/>
+              </a:rPr>
+              <a:t>Farden Hossain                      2512532642</a:t>
+            </a:r>
+            <a:endParaRPr lang="en-US" altLang="en-US" sz="900" b="1">
+              <a:latin typeface="+mn-lt"/>
+              <a:cs typeface="+mn-lt"/>
+            </a:endParaRPr>
+          </a:p>
+          <a:p>
+            <a:endParaRPr lang="en-US" sz="900"/>
+          </a:p>
+        </p:txBody>
+      </p:sp>
     </p:spTree>
   </p:cSld>
   <p:clrMapOvr>
@@ -3570,7 +3853,7 @@
         <p:spPr>
           <a:xfrm>
             <a:off x="220980" y="1460500"/>
-            <a:ext cx="8691245" cy="4665980"/>
+            <a:ext cx="8386445" cy="3596005"/>
           </a:xfrm>
         </p:spPr>
         <p:txBody>
@@ -3614,6 +3897,125 @@
             <a:endParaRPr lang="en-US" altLang="en-US" sz="2400">
               <a:latin typeface="Times New Roman" panose="02020603050405020304" charset="0"/>
               <a:cs typeface="Times New Roman" panose="02020603050405020304" charset="0"/>
+            </a:endParaRPr>
+          </a:p>
+        </p:txBody>
+      </p:sp>
+      <p:sp>
+        <p:nvSpPr>
+          <p:cNvPr id="2" name="Text Box 1"/>
+          <p:cNvSpPr txBox="1"/>
+          <p:nvPr/>
+        </p:nvSpPr>
+        <p:spPr>
+          <a:xfrm>
+            <a:off x="106045" y="5316855"/>
+            <a:ext cx="9037320" cy="1468120"/>
+          </a:xfrm>
+          <a:prstGeom prst="rect">
+            <a:avLst/>
+          </a:prstGeom>
+          <a:noFill/>
+        </p:spPr>
+        <p:txBody>
+          <a:bodyPr wrap="square" rtlCol="0">
+            <a:noAutofit/>
+          </a:bodyPr>
+          <a:p>
+            <a:r>
+              <a:rPr lang="en-US" altLang="en-US" sz="1000" b="1">
+                <a:latin typeface="+mn-lt"/>
+                <a:cs typeface="+mn-lt"/>
+              </a:rPr>
+              <a:t>·Course: CSE115.2</a:t>
+            </a:r>
+            <a:endParaRPr lang="en-US" altLang="en-US" sz="1000" b="1">
+              <a:latin typeface="+mn-lt"/>
+              <a:cs typeface="+mn-lt"/>
+            </a:endParaRPr>
+          </a:p>
+          <a:p>
+            <a:r>
+              <a:rPr lang="en-US" altLang="en-US" sz="1000" b="1">
+                <a:latin typeface="+mn-lt"/>
+                <a:cs typeface="+mn-lt"/>
+              </a:rPr>
+              <a:t>Group-4</a:t>
+            </a:r>
+            <a:endParaRPr lang="en-US" altLang="en-US" sz="1000" b="1">
+              <a:latin typeface="+mn-lt"/>
+              <a:cs typeface="+mn-lt"/>
+            </a:endParaRPr>
+          </a:p>
+          <a:p>
+            <a:endParaRPr lang="en-US" altLang="en-US" sz="1000" b="1">
+              <a:latin typeface="+mn-lt"/>
+              <a:cs typeface="+mn-lt"/>
+            </a:endParaRPr>
+          </a:p>
+          <a:p>
+            <a:r>
+              <a:rPr lang="en-US" altLang="en-US" sz="1000" b="1">
+                <a:latin typeface="+mn-lt"/>
+                <a:cs typeface="+mn-lt"/>
+              </a:rPr>
+              <a:t>Jayonti Sarker                         1911069042</a:t>
+            </a:r>
+            <a:endParaRPr lang="en-US" altLang="en-US" sz="1000" b="1">
+              <a:latin typeface="+mn-lt"/>
+              <a:cs typeface="+mn-lt"/>
+            </a:endParaRPr>
+          </a:p>
+          <a:p>
+            <a:r>
+              <a:rPr lang="en-US" altLang="en-US" sz="1000" b="1">
+                <a:latin typeface="+mn-lt"/>
+                <a:cs typeface="+mn-lt"/>
+              </a:rPr>
+              <a:t>MD Nahim                               2514251042</a:t>
+            </a:r>
+            <a:endParaRPr lang="en-US" altLang="en-US" sz="1000" b="1">
+              <a:latin typeface="+mn-lt"/>
+              <a:cs typeface="+mn-lt"/>
+            </a:endParaRPr>
+          </a:p>
+          <a:p>
+            <a:r>
+              <a:rPr lang="en-US" altLang="en-US" sz="1000" b="1">
+                <a:latin typeface="+mn-lt"/>
+                <a:cs typeface="+mn-lt"/>
+              </a:rPr>
+              <a:t>Mohammad Ali                        2512818642</a:t>
+            </a:r>
+            <a:endParaRPr lang="en-US" altLang="en-US" sz="1000" b="1">
+              <a:latin typeface="+mn-lt"/>
+              <a:cs typeface="+mn-lt"/>
+            </a:endParaRPr>
+          </a:p>
+          <a:p>
+            <a:r>
+              <a:rPr lang="en-US" altLang="en-US" sz="1000" b="1">
+                <a:latin typeface="+mn-lt"/>
+                <a:cs typeface="+mn-lt"/>
+              </a:rPr>
+              <a:t>Afif Ahmed Chowdhury           2513880642</a:t>
+            </a:r>
+            <a:endParaRPr lang="en-US" altLang="en-US" sz="1000" b="1">
+              <a:latin typeface="+mn-lt"/>
+              <a:cs typeface="+mn-lt"/>
+            </a:endParaRPr>
+          </a:p>
+          <a:p>
+            <a:r>
+              <a:rPr lang="en-US" altLang="en-US" sz="1000" b="1">
+                <a:latin typeface="+mn-lt"/>
+                <a:cs typeface="+mn-lt"/>
+              </a:rPr>
+              <a:t>Farden Hossain                      2512532642</a:t>
+            </a:r>
+            <a:endParaRPr lang="en-US" altLang="en-US" sz="1000" b="1">
+              <a:latin typeface="+mn-lt"/>
+              <a:cs typeface="+mn-lt"/>
             </a:endParaRPr>
           </a:p>
         </p:txBody>
@@ -3687,8 +4089,8 @@
         </p:nvSpPr>
         <p:spPr>
           <a:xfrm>
-            <a:off x="395605" y="1412875"/>
-            <a:ext cx="8229600" cy="4525963"/>
+            <a:off x="640080" y="1412875"/>
+            <a:ext cx="7985125" cy="3009900"/>
           </a:xfrm>
         </p:spPr>
         <p:txBody>
@@ -3756,6 +4158,135 @@
               <a:latin typeface="Times New Roman" panose="02020603050405020304" charset="0"/>
               <a:cs typeface="Times New Roman" panose="02020603050405020304" charset="0"/>
             </a:endParaRPr>
+          </a:p>
+        </p:txBody>
+      </p:sp>
+      <p:sp>
+        <p:nvSpPr>
+          <p:cNvPr id="4" name="Text Box 3"/>
+          <p:cNvSpPr txBox="1"/>
+          <p:nvPr/>
+        </p:nvSpPr>
+        <p:spPr>
+          <a:xfrm>
+            <a:off x="796290" y="4726305"/>
+            <a:ext cx="6821805" cy="1710055"/>
+          </a:xfrm>
+          <a:prstGeom prst="rect">
+            <a:avLst/>
+          </a:prstGeom>
+          <a:noFill/>
+        </p:spPr>
+        <p:txBody>
+          <a:bodyPr wrap="square" rtlCol="0">
+            <a:noAutofit/>
+          </a:bodyPr>
+          <a:p>
+            <a:r>
+              <a:rPr lang="en-US" altLang="en-US" sz="900" b="1">
+                <a:latin typeface="+mn-lt"/>
+                <a:cs typeface="+mn-lt"/>
+                <a:sym typeface="+mn-ea"/>
+              </a:rPr>
+              <a:t>·Course: CSE115.2</a:t>
+            </a:r>
+            <a:endParaRPr lang="en-US" altLang="en-US" sz="900" b="1">
+              <a:latin typeface="+mn-lt"/>
+              <a:cs typeface="+mn-lt"/>
+            </a:endParaRPr>
+          </a:p>
+          <a:p>
+            <a:r>
+              <a:rPr lang="en-US" altLang="en-US" sz="900" b="1">
+                <a:latin typeface="+mn-lt"/>
+                <a:cs typeface="+mn-lt"/>
+                <a:sym typeface="+mn-ea"/>
+              </a:rPr>
+              <a:t>Group-4</a:t>
+            </a:r>
+            <a:endParaRPr lang="en-US" altLang="en-US" sz="900" b="1">
+              <a:latin typeface="+mn-lt"/>
+              <a:cs typeface="+mn-lt"/>
+            </a:endParaRPr>
+          </a:p>
+          <a:p>
+            <a:endParaRPr lang="en-US" altLang="en-US" sz="900" b="1">
+              <a:latin typeface="+mn-lt"/>
+              <a:cs typeface="+mn-lt"/>
+            </a:endParaRPr>
+          </a:p>
+          <a:p>
+            <a:r>
+              <a:rPr lang="en-US" altLang="en-US" sz="900" b="1">
+                <a:latin typeface="+mn-lt"/>
+                <a:cs typeface="+mn-lt"/>
+                <a:sym typeface="+mn-ea"/>
+              </a:rPr>
+              <a:t>Jayonti Sarker                         1911069042</a:t>
+            </a:r>
+            <a:endParaRPr lang="en-US" altLang="en-US" sz="900" b="1">
+              <a:latin typeface="+mn-lt"/>
+              <a:cs typeface="+mn-lt"/>
+            </a:endParaRPr>
+          </a:p>
+          <a:p>
+            <a:r>
+              <a:rPr lang="en-US" altLang="en-US" sz="900" b="1">
+                <a:latin typeface="+mn-lt"/>
+                <a:cs typeface="+mn-lt"/>
+                <a:sym typeface="+mn-ea"/>
+              </a:rPr>
+              <a:t>MD Nahim                               2514251042</a:t>
+            </a:r>
+            <a:endParaRPr lang="en-US" altLang="en-US" sz="900" b="1">
+              <a:latin typeface="+mn-lt"/>
+              <a:cs typeface="+mn-lt"/>
+            </a:endParaRPr>
+          </a:p>
+          <a:p>
+            <a:r>
+              <a:rPr lang="en-US" altLang="en-US" sz="900" b="1">
+                <a:latin typeface="+mn-lt"/>
+                <a:cs typeface="+mn-lt"/>
+                <a:sym typeface="+mn-ea"/>
+              </a:rPr>
+              <a:t>Mohammad Ali                        2512818642</a:t>
+            </a:r>
+            <a:endParaRPr lang="en-US" altLang="en-US" sz="900" b="1">
+              <a:latin typeface="+mn-lt"/>
+              <a:cs typeface="+mn-lt"/>
+            </a:endParaRPr>
+          </a:p>
+          <a:p>
+            <a:r>
+              <a:rPr lang="en-US" altLang="en-US" sz="900" b="1">
+                <a:latin typeface="+mn-lt"/>
+                <a:cs typeface="+mn-lt"/>
+                <a:sym typeface="+mn-ea"/>
+              </a:rPr>
+              <a:t>Afif Ahmed Chowdhury           2513880642</a:t>
+            </a:r>
+            <a:endParaRPr lang="en-US" altLang="en-US" sz="900" b="1">
+              <a:latin typeface="+mn-lt"/>
+              <a:cs typeface="+mn-lt"/>
+            </a:endParaRPr>
+          </a:p>
+          <a:p>
+            <a:r>
+              <a:rPr lang="en-US" altLang="en-US" sz="900" b="1">
+                <a:latin typeface="+mn-lt"/>
+                <a:cs typeface="+mn-lt"/>
+                <a:sym typeface="+mn-ea"/>
+              </a:rPr>
+              <a:t>Farden Hossain                      2512532642</a:t>
+            </a:r>
+            <a:endParaRPr lang="en-US" altLang="en-US" sz="900" b="1">
+              <a:latin typeface="+mn-lt"/>
+              <a:cs typeface="+mn-lt"/>
+            </a:endParaRPr>
+          </a:p>
+          <a:p>
+            <a:endParaRPr lang="en-US" sz="900"/>
           </a:p>
         </p:txBody>
       </p:sp>
@@ -3829,15 +4360,15 @@
         <p:spPr>
           <a:xfrm>
             <a:off x="125730" y="1063625"/>
-            <a:ext cx="6376035" cy="5466080"/>
+            <a:ext cx="6099175" cy="3584575"/>
           </a:xfrm>
         </p:spPr>
         <p:txBody>
           <a:bodyPr/>
           <a:p>
-            <a:pPr>
+            <a:pPr algn="l">
               <a:lnSpc>
-                <a:spcPct val="90000"/>
+                <a:spcPct val="120000"/>
               </a:lnSpc>
             </a:pPr>
             <a:r>
@@ -3845,133 +4376,7 @@
                 <a:latin typeface="Times New Roman" panose="02020603050405020304" charset="0"/>
                 <a:cs typeface="Times New Roman" panose="02020603050405020304" charset="0"/>
               </a:rPr>
-              <a:t>Real-time control of snake using keyboard input (W, A, S, D or arrow keys).</a:t>
-            </a:r>
-            <a:endParaRPr lang="en-US" altLang="en-US" sz="2400">
-              <a:latin typeface="Times New Roman" panose="02020603050405020304" charset="0"/>
-              <a:cs typeface="Times New Roman" panose="02020603050405020304" charset="0"/>
-            </a:endParaRPr>
-          </a:p>
-          <a:p>
-            <a:pPr>
-              <a:lnSpc>
-                <a:spcPct val="90000"/>
-              </a:lnSpc>
-            </a:pPr>
-            <a:r>
-              <a:rPr lang="en-US" altLang="en-US" sz="2400">
-                <a:latin typeface="Times New Roman" panose="02020603050405020304" charset="0"/>
-                <a:cs typeface="Times New Roman" panose="02020603050405020304" charset="0"/>
-              </a:rPr>
-              <a:t>Snake grows and score increases when it eats food.</a:t>
-            </a:r>
-            <a:endParaRPr lang="en-US" altLang="en-US" sz="2400">
-              <a:latin typeface="Times New Roman" panose="02020603050405020304" charset="0"/>
-              <a:cs typeface="Times New Roman" panose="02020603050405020304" charset="0"/>
-            </a:endParaRPr>
-          </a:p>
-          <a:p>
-            <a:pPr>
-              <a:lnSpc>
-                <a:spcPct val="90000"/>
-              </a:lnSpc>
-            </a:pPr>
-            <a:r>
-              <a:rPr lang="en-US" altLang="en-US" sz="2400">
-                <a:latin typeface="Times New Roman" panose="02020603050405020304" charset="0"/>
-                <a:cs typeface="Times New Roman" panose="02020603050405020304" charset="0"/>
-              </a:rPr>
-              <a:t>Randomized food generation not overlapping with snake.</a:t>
-            </a:r>
-            <a:endParaRPr lang="en-US" altLang="en-US" sz="2400">
-              <a:latin typeface="Times New Roman" panose="02020603050405020304" charset="0"/>
-              <a:cs typeface="Times New Roman" panose="02020603050405020304" charset="0"/>
-            </a:endParaRPr>
-          </a:p>
-          <a:p>
-            <a:pPr>
-              <a:lnSpc>
-                <a:spcPct val="90000"/>
-              </a:lnSpc>
-            </a:pPr>
-            <a:r>
-              <a:rPr lang="en-US" altLang="en-US" sz="2400">
-                <a:latin typeface="Times New Roman" panose="02020603050405020304" charset="0"/>
-                <a:cs typeface="Times New Roman" panose="02020603050405020304" charset="0"/>
-              </a:rPr>
-              <a:t>Game over triggered upon collision with wall or snake's body.</a:t>
-            </a:r>
-            <a:endParaRPr lang="en-US" altLang="en-US" sz="2400">
-              <a:latin typeface="Times New Roman" panose="02020603050405020304" charset="0"/>
-              <a:cs typeface="Times New Roman" panose="02020603050405020304" charset="0"/>
-            </a:endParaRPr>
-          </a:p>
-          <a:p>
-            <a:pPr>
-              <a:lnSpc>
-                <a:spcPct val="90000"/>
-              </a:lnSpc>
-            </a:pPr>
-            <a:r>
-              <a:rPr lang="en-US" altLang="en-US" sz="2400">
-                <a:latin typeface="Times New Roman" panose="02020603050405020304" charset="0"/>
-                <a:cs typeface="Times New Roman" panose="02020603050405020304" charset="0"/>
-              </a:rPr>
-              <a:t>Score updates dynamically during gameplay.</a:t>
-            </a:r>
-            <a:endParaRPr lang="en-US" altLang="en-US" sz="2400">
-              <a:latin typeface="Times New Roman" panose="02020603050405020304" charset="0"/>
-              <a:cs typeface="Times New Roman" panose="02020603050405020304" charset="0"/>
-            </a:endParaRPr>
-          </a:p>
-          <a:p>
-            <a:pPr>
-              <a:lnSpc>
-                <a:spcPct val="90000"/>
-              </a:lnSpc>
-            </a:pPr>
-            <a:r>
-              <a:rPr lang="en-US" altLang="en-US" sz="2400">
-                <a:latin typeface="Times New Roman" panose="02020603050405020304" charset="0"/>
-                <a:cs typeface="Times New Roman" panose="02020603050405020304" charset="0"/>
-              </a:rPr>
-              <a:t>Input Handling: Non-blocking detection using _kbhit() and getch() (via conio.h).</a:t>
-            </a:r>
-            <a:endParaRPr lang="en-US" altLang="en-US" sz="2400">
-              <a:latin typeface="Times New Roman" panose="02020603050405020304" charset="0"/>
-              <a:cs typeface="Times New Roman" panose="02020603050405020304" charset="0"/>
-            </a:endParaRPr>
-          </a:p>
-          <a:p>
-            <a:pPr>
-              <a:lnSpc>
-                <a:spcPct val="90000"/>
-              </a:lnSpc>
-            </a:pPr>
-            <a:r>
-              <a:rPr lang="en-US" altLang="en-US" sz="2400">
-                <a:latin typeface="Times New Roman" panose="02020603050405020304" charset="0"/>
-                <a:cs typeface="Times New Roman" panose="02020603050405020304" charset="0"/>
-              </a:rPr>
-              <a:t>'W': Up, 'S': Down, 'A': Left, 'D': Right (direction lock prevents reversal).</a:t>
-            </a:r>
-            <a:endParaRPr lang="en-US" altLang="en-US" sz="2400">
-              <a:latin typeface="Times New Roman" panose="02020603050405020304" charset="0"/>
-              <a:cs typeface="Times New Roman" panose="02020603050405020304" charset="0"/>
-            </a:endParaRPr>
-          </a:p>
-          <a:p>
-            <a:pPr>
-              <a:lnSpc>
-                <a:spcPct val="90000"/>
-              </a:lnSpc>
-            </a:pPr>
-            <a:r>
-              <a:rPr lang="en-US" altLang="en-US" sz="2400">
-                <a:latin typeface="Times New Roman" panose="02020603050405020304" charset="0"/>
-                <a:cs typeface="Times New Roman" panose="02020603050405020304" charset="0"/>
-              </a:rPr>
-              <a:t>'X': Instantly exits the game.</a:t>
+              <a:t>The snake is controlled with keyboard keys (W, A, S, D or arrow keys). It grows and the score increases when it eats food. The game ends if the snake hits the wall or its body. _kbhit() and getch() handle input, and directions are locked. Press 'X' to exit the game.</a:t>
             </a:r>
             <a:endParaRPr lang="en-US" altLang="en-US" sz="2400">
               <a:latin typeface="Times New Roman" panose="02020603050405020304" charset="0"/>
@@ -4039,6 +4444,135 @@
           </a:p>
         </p:txBody>
       </p:sp>
+      <p:sp>
+        <p:nvSpPr>
+          <p:cNvPr id="6" name="Text Box 5"/>
+          <p:cNvSpPr txBox="1"/>
+          <p:nvPr/>
+        </p:nvSpPr>
+        <p:spPr>
+          <a:xfrm>
+            <a:off x="1704975" y="5612130"/>
+            <a:ext cx="4609465" cy="1026795"/>
+          </a:xfrm>
+          <a:prstGeom prst="rect">
+            <a:avLst/>
+          </a:prstGeom>
+          <a:noFill/>
+        </p:spPr>
+        <p:txBody>
+          <a:bodyPr wrap="square" rtlCol="0">
+            <a:noAutofit/>
+          </a:bodyPr>
+          <a:p>
+            <a:r>
+              <a:rPr lang="en-US" altLang="en-US" sz="900" b="1">
+                <a:latin typeface="+mn-lt"/>
+                <a:cs typeface="+mn-lt"/>
+                <a:sym typeface="+mn-ea"/>
+              </a:rPr>
+              <a:t>·Course: CSE115.2</a:t>
+            </a:r>
+            <a:endParaRPr lang="en-US" altLang="en-US" sz="900" b="1">
+              <a:latin typeface="+mn-lt"/>
+              <a:cs typeface="+mn-lt"/>
+            </a:endParaRPr>
+          </a:p>
+          <a:p>
+            <a:r>
+              <a:rPr lang="en-US" altLang="en-US" sz="900" b="1">
+                <a:latin typeface="+mn-lt"/>
+                <a:cs typeface="+mn-lt"/>
+                <a:sym typeface="+mn-ea"/>
+              </a:rPr>
+              <a:t>Group-4</a:t>
+            </a:r>
+            <a:endParaRPr lang="en-US" altLang="en-US" sz="900" b="1">
+              <a:latin typeface="+mn-lt"/>
+              <a:cs typeface="+mn-lt"/>
+            </a:endParaRPr>
+          </a:p>
+          <a:p>
+            <a:endParaRPr lang="en-US" altLang="en-US" sz="900" b="1">
+              <a:latin typeface="+mn-lt"/>
+              <a:cs typeface="+mn-lt"/>
+            </a:endParaRPr>
+          </a:p>
+          <a:p>
+            <a:r>
+              <a:rPr lang="en-US" altLang="en-US" sz="900" b="1">
+                <a:latin typeface="+mn-lt"/>
+                <a:cs typeface="+mn-lt"/>
+                <a:sym typeface="+mn-ea"/>
+              </a:rPr>
+              <a:t>Jayonti Sarker                         1911069042</a:t>
+            </a:r>
+            <a:endParaRPr lang="en-US" altLang="en-US" sz="900" b="1">
+              <a:latin typeface="+mn-lt"/>
+              <a:cs typeface="+mn-lt"/>
+            </a:endParaRPr>
+          </a:p>
+          <a:p>
+            <a:r>
+              <a:rPr lang="en-US" altLang="en-US" sz="900" b="1">
+                <a:latin typeface="+mn-lt"/>
+                <a:cs typeface="+mn-lt"/>
+                <a:sym typeface="+mn-ea"/>
+              </a:rPr>
+              <a:t>MD Nahim                               2514251042</a:t>
+            </a:r>
+            <a:endParaRPr lang="en-US" altLang="en-US" sz="900" b="1">
+              <a:latin typeface="+mn-lt"/>
+              <a:cs typeface="+mn-lt"/>
+            </a:endParaRPr>
+          </a:p>
+          <a:p>
+            <a:r>
+              <a:rPr lang="en-US" altLang="en-US" sz="900" b="1">
+                <a:latin typeface="+mn-lt"/>
+                <a:cs typeface="+mn-lt"/>
+                <a:sym typeface="+mn-ea"/>
+              </a:rPr>
+              <a:t>Mohammad Ali                        2512818642</a:t>
+            </a:r>
+            <a:endParaRPr lang="en-US" altLang="en-US" sz="900" b="1">
+              <a:latin typeface="+mn-lt"/>
+              <a:cs typeface="+mn-lt"/>
+            </a:endParaRPr>
+          </a:p>
+          <a:p>
+            <a:r>
+              <a:rPr lang="en-US" altLang="en-US" sz="900" b="1">
+                <a:latin typeface="+mn-lt"/>
+                <a:cs typeface="+mn-lt"/>
+                <a:sym typeface="+mn-ea"/>
+              </a:rPr>
+              <a:t>Afif Ahmed Chowdhury           2513880642</a:t>
+            </a:r>
+            <a:endParaRPr lang="en-US" altLang="en-US" sz="900" b="1">
+              <a:latin typeface="+mn-lt"/>
+              <a:cs typeface="+mn-lt"/>
+            </a:endParaRPr>
+          </a:p>
+          <a:p>
+            <a:r>
+              <a:rPr lang="en-US" altLang="en-US" sz="900" b="1">
+                <a:latin typeface="+mn-lt"/>
+                <a:cs typeface="+mn-lt"/>
+                <a:sym typeface="+mn-ea"/>
+              </a:rPr>
+              <a:t>Farden Hossain                      2512532642</a:t>
+            </a:r>
+            <a:endParaRPr lang="en-US" altLang="en-US" sz="900" b="1">
+              <a:latin typeface="+mn-lt"/>
+              <a:cs typeface="+mn-lt"/>
+            </a:endParaRPr>
+          </a:p>
+          <a:p>
+            <a:endParaRPr lang="en-US" sz="900"/>
+          </a:p>
+        </p:txBody>
+      </p:sp>
     </p:spTree>
   </p:cSld>
   <p:clrMapOvr>
@@ -4103,7 +4637,7 @@
         <p:spPr>
           <a:xfrm>
             <a:off x="171450" y="851535"/>
-            <a:ext cx="4964430" cy="5173345"/>
+            <a:ext cx="4770120" cy="4118610"/>
           </a:xfrm>
         </p:spPr>
         <p:txBody>
@@ -4120,7 +4654,7 @@
                 <a:latin typeface="Times New Roman" panose="02020603050405020304" charset="0"/>
                 <a:cs typeface="Times New Roman" panose="02020603050405020304" charset="0"/>
               </a:rPr>
-              <a:t>The Snake Game in C is a console-based application where a snake moves within a boundary, consumes food to grow, and avoids collisions to survive. It uses keyboard inputs for movement and displays real-time gameplay using basic graphics.</a:t>
+              <a:t>The Snake Game in C is a console-based game where the snake moves, eats food to grow. The game starts and goes to the initial setup.The snake keeps moving continuously.</a:t>
             </a:r>
             <a:endParaRPr lang="en-US" altLang="en-US" sz="2400">
               <a:latin typeface="Times New Roman" panose="02020603050405020304" charset="0"/>
@@ -4134,6 +4668,13 @@
               </a:lnSpc>
               <a:buNone/>
             </a:pPr>
+            <a:r>
+              <a:rPr lang="en-US" altLang="en-US" sz="2400">
+                <a:latin typeface="Times New Roman" panose="02020603050405020304" charset="0"/>
+                <a:cs typeface="Times New Roman" panose="02020603050405020304" charset="0"/>
+              </a:rPr>
+              <a:t> If the snake meets food, it grows and new food is created.</a:t>
+            </a:r>
             <a:endParaRPr lang="en-US" altLang="en-US" sz="2400">
               <a:latin typeface="Times New Roman" panose="02020603050405020304" charset="0"/>
               <a:cs typeface="Times New Roman" panose="02020603050405020304" charset="0"/>
@@ -4151,7 +4692,26 @@
                 <a:latin typeface="Times New Roman" panose="02020603050405020304" charset="0"/>
                 <a:cs typeface="Times New Roman" panose="02020603050405020304" charset="0"/>
               </a:rPr>
-              <a:t>The represents the core game logic—starting from initialization, continuous movement, checking food collision, updating the snake’s length, and handling game-over scenarios.</a:t>
+              <a:t> If the snake crashes (into wall or itself), the game is over.</a:t>
+            </a:r>
+            <a:endParaRPr lang="en-US" altLang="en-US" sz="2400">
+              <a:latin typeface="Times New Roman" panose="02020603050405020304" charset="0"/>
+              <a:cs typeface="Times New Roman" panose="02020603050405020304" charset="0"/>
+            </a:endParaRPr>
+          </a:p>
+          <a:p>
+            <a:pPr marL="0" indent="0" algn="just">
+              <a:lnSpc>
+                <a:spcPct val="90000"/>
+              </a:lnSpc>
+              <a:buNone/>
+            </a:pPr>
+            <a:r>
+              <a:rPr lang="en-US" altLang="en-US" sz="2400">
+                <a:latin typeface="Times New Roman" panose="02020603050405020304" charset="0"/>
+                <a:cs typeface="Times New Roman" panose="02020603050405020304" charset="0"/>
+              </a:rPr>
+              <a:t> If no crash, the snake keeps moving in a loop.</a:t>
             </a:r>
             <a:endParaRPr lang="en-US" altLang="en-US" sz="2400">
               <a:latin typeface="Times New Roman" panose="02020603050405020304" charset="0"/>
@@ -4184,6 +4744,135 @@
           </a:prstGeom>
         </p:spPr>
       </p:pic>
+      <p:sp>
+        <p:nvSpPr>
+          <p:cNvPr id="5" name="Text Box 4"/>
+          <p:cNvSpPr txBox="1"/>
+          <p:nvPr/>
+        </p:nvSpPr>
+        <p:spPr>
+          <a:xfrm>
+            <a:off x="893445" y="5699760"/>
+            <a:ext cx="4698365" cy="754380"/>
+          </a:xfrm>
+          <a:prstGeom prst="rect">
+            <a:avLst/>
+          </a:prstGeom>
+          <a:noFill/>
+        </p:spPr>
+        <p:txBody>
+          <a:bodyPr wrap="square" rtlCol="0">
+            <a:noAutofit/>
+          </a:bodyPr>
+          <a:p>
+            <a:r>
+              <a:rPr lang="en-US" altLang="en-US" sz="900" b="1">
+                <a:latin typeface="+mn-lt"/>
+                <a:cs typeface="+mn-lt"/>
+                <a:sym typeface="+mn-ea"/>
+              </a:rPr>
+              <a:t>·Course: CSE115.2</a:t>
+            </a:r>
+            <a:endParaRPr lang="en-US" altLang="en-US" sz="900" b="1">
+              <a:latin typeface="+mn-lt"/>
+              <a:cs typeface="+mn-lt"/>
+            </a:endParaRPr>
+          </a:p>
+          <a:p>
+            <a:r>
+              <a:rPr lang="en-US" altLang="en-US" sz="900" b="1">
+                <a:latin typeface="+mn-lt"/>
+                <a:cs typeface="+mn-lt"/>
+                <a:sym typeface="+mn-ea"/>
+              </a:rPr>
+              <a:t>Group-4</a:t>
+            </a:r>
+            <a:endParaRPr lang="en-US" altLang="en-US" sz="900" b="1">
+              <a:latin typeface="+mn-lt"/>
+              <a:cs typeface="+mn-lt"/>
+            </a:endParaRPr>
+          </a:p>
+          <a:p>
+            <a:endParaRPr lang="en-US" altLang="en-US" sz="900" b="1">
+              <a:latin typeface="+mn-lt"/>
+              <a:cs typeface="+mn-lt"/>
+            </a:endParaRPr>
+          </a:p>
+          <a:p>
+            <a:r>
+              <a:rPr lang="en-US" altLang="en-US" sz="900" b="1">
+                <a:latin typeface="+mn-lt"/>
+                <a:cs typeface="+mn-lt"/>
+                <a:sym typeface="+mn-ea"/>
+              </a:rPr>
+              <a:t>Jayonti Sarker                         1911069042</a:t>
+            </a:r>
+            <a:endParaRPr lang="en-US" altLang="en-US" sz="900" b="1">
+              <a:latin typeface="+mn-lt"/>
+              <a:cs typeface="+mn-lt"/>
+            </a:endParaRPr>
+          </a:p>
+          <a:p>
+            <a:r>
+              <a:rPr lang="en-US" altLang="en-US" sz="900" b="1">
+                <a:latin typeface="+mn-lt"/>
+                <a:cs typeface="+mn-lt"/>
+                <a:sym typeface="+mn-ea"/>
+              </a:rPr>
+              <a:t>MD Nahim                               2514251042</a:t>
+            </a:r>
+            <a:endParaRPr lang="en-US" altLang="en-US" sz="900" b="1">
+              <a:latin typeface="+mn-lt"/>
+              <a:cs typeface="+mn-lt"/>
+            </a:endParaRPr>
+          </a:p>
+          <a:p>
+            <a:r>
+              <a:rPr lang="en-US" altLang="en-US" sz="900" b="1">
+                <a:latin typeface="+mn-lt"/>
+                <a:cs typeface="+mn-lt"/>
+                <a:sym typeface="+mn-ea"/>
+              </a:rPr>
+              <a:t>Mohammad Ali                        2512818642</a:t>
+            </a:r>
+            <a:endParaRPr lang="en-US" altLang="en-US" sz="900" b="1">
+              <a:latin typeface="+mn-lt"/>
+              <a:cs typeface="+mn-lt"/>
+            </a:endParaRPr>
+          </a:p>
+          <a:p>
+            <a:r>
+              <a:rPr lang="en-US" altLang="en-US" sz="900" b="1">
+                <a:latin typeface="+mn-lt"/>
+                <a:cs typeface="+mn-lt"/>
+                <a:sym typeface="+mn-ea"/>
+              </a:rPr>
+              <a:t>Afif Ahmed Chowdhury           2513880642</a:t>
+            </a:r>
+            <a:endParaRPr lang="en-US" altLang="en-US" sz="900" b="1">
+              <a:latin typeface="+mn-lt"/>
+              <a:cs typeface="+mn-lt"/>
+            </a:endParaRPr>
+          </a:p>
+          <a:p>
+            <a:r>
+              <a:rPr lang="en-US" altLang="en-US" sz="900" b="1">
+                <a:latin typeface="+mn-lt"/>
+                <a:cs typeface="+mn-lt"/>
+                <a:sym typeface="+mn-ea"/>
+              </a:rPr>
+              <a:t>Farden Hossain                      2512532642</a:t>
+            </a:r>
+            <a:endParaRPr lang="en-US" altLang="en-US" sz="900" b="1">
+              <a:latin typeface="+mn-lt"/>
+              <a:cs typeface="+mn-lt"/>
+            </a:endParaRPr>
+          </a:p>
+          <a:p>
+            <a:endParaRPr lang="en-US" sz="900"/>
+          </a:p>
+        </p:txBody>
+      </p:sp>
     </p:spTree>
   </p:cSld>
   <p:clrMapOvr>
@@ -4254,7 +4943,7 @@
         <p:spPr>
           <a:xfrm>
             <a:off x="222250" y="877570"/>
-            <a:ext cx="2590165" cy="1792605"/>
+            <a:ext cx="2476500" cy="1713865"/>
           </a:xfrm>
           <a:prstGeom prst="rect">
             <a:avLst/>
@@ -4412,8 +5101,8 @@
         </p:blipFill>
         <p:spPr>
           <a:xfrm>
-            <a:off x="1043305" y="3284855"/>
-            <a:ext cx="3088005" cy="1783715"/>
+            <a:off x="1593850" y="3284855"/>
+            <a:ext cx="2537460" cy="1465580"/>
           </a:xfrm>
           <a:prstGeom prst="rect">
             <a:avLst/>
@@ -4428,8 +5117,8 @@
         </p:nvSpPr>
         <p:spPr>
           <a:xfrm>
-            <a:off x="1037590" y="5257165"/>
-            <a:ext cx="3093720" cy="537210"/>
+            <a:off x="1473200" y="5257800"/>
+            <a:ext cx="2608580" cy="213360"/>
           </a:xfrm>
           <a:prstGeom prst="rect">
             <a:avLst/>
@@ -4467,7 +5156,7 @@
         <p:spPr>
           <a:xfrm>
             <a:off x="5003800" y="3265170"/>
-            <a:ext cx="3038475" cy="1799590"/>
+            <a:ext cx="2633345" cy="1559560"/>
           </a:xfrm>
           <a:prstGeom prst="rect">
             <a:avLst/>
@@ -4482,7 +5171,7 @@
         </p:nvSpPr>
         <p:spPr>
           <a:xfrm>
-            <a:off x="6171565" y="5256530"/>
+            <a:off x="5364480" y="5066030"/>
             <a:ext cx="895985" cy="428625"/>
           </a:xfrm>
           <a:prstGeom prst="rect">
@@ -4512,8 +5201,8 @@
         </p:nvSpPr>
         <p:spPr>
           <a:xfrm>
-            <a:off x="35560" y="5831840"/>
-            <a:ext cx="9043670" cy="1019810"/>
+            <a:off x="70485" y="5876925"/>
+            <a:ext cx="5528310" cy="1112520"/>
           </a:xfrm>
           <a:prstGeom prst="rect">
             <a:avLst/>
@@ -4526,22 +5215,223 @@
           <a:p>
             <a:pPr algn="just"/>
             <a:r>
-              <a:rPr sz="2000">
+              <a:rPr sz="1800">
                 <a:latin typeface="Times New Roman" panose="02020603050405020304" charset="0"/>
                 <a:cs typeface="Times New Roman" panose="02020603050405020304" charset="0"/>
               </a:rPr>
-              <a:t>The game starts from a homepage with a main menu, allows snake movement with real-time input, increases snake length and score after eating food, and ends properly with an exit option</a:t>
-            </a:r>
-            <a:r>
-              <a:rPr lang="en-US" sz="2000">
+              <a:t>The game starts from a homepage with a main menu, allows snake movement with real-time input, increases snake length and score after eating food an exit option</a:t>
+            </a:r>
+            <a:r>
+              <a:rPr lang="en-US" sz="1800">
                 <a:latin typeface="Times New Roman" panose="02020603050405020304" charset="0"/>
                 <a:cs typeface="Times New Roman" panose="02020603050405020304" charset="0"/>
               </a:rPr>
               <a:t>.</a:t>
             </a:r>
-            <a:endParaRPr lang="en-US" sz="2000">
+            <a:r>
+              <a:rPr lang="en-US" altLang="en-US" sz="1800" b="1">
+                <a:latin typeface="Times New Roman" panose="02020603050405020304" charset="0"/>
+                <a:cs typeface="Times New Roman" panose="02020603050405020304" charset="0"/>
+                <a:sym typeface="+mn-ea"/>
+              </a:rPr>
+              <a:t>·</a:t>
+            </a:r>
+            <a:endParaRPr lang="en-US" altLang="en-US" sz="1800" b="1">
               <a:latin typeface="Times New Roman" panose="02020603050405020304" charset="0"/>
               <a:cs typeface="Times New Roman" panose="02020603050405020304" charset="0"/>
+            </a:endParaRPr>
+          </a:p>
+          <a:p>
+            <a:pPr algn="just"/>
+            <a:endParaRPr lang="en-US" altLang="en-US" sz="1800" b="1">
+              <a:latin typeface="Times New Roman" panose="02020603050405020304" charset="0"/>
+              <a:cs typeface="Times New Roman" panose="02020603050405020304" charset="0"/>
+            </a:endParaRPr>
+          </a:p>
+          <a:p>
+            <a:pPr algn="just"/>
+            <a:endParaRPr lang="en-US" sz="1800">
+              <a:latin typeface="Times New Roman" panose="02020603050405020304" charset="0"/>
+              <a:cs typeface="Times New Roman" panose="02020603050405020304" charset="0"/>
+            </a:endParaRPr>
+          </a:p>
+        </p:txBody>
+      </p:sp>
+      <p:sp>
+        <p:nvSpPr>
+          <p:cNvPr id="16" name="Text Box 15"/>
+          <p:cNvSpPr txBox="1"/>
+          <p:nvPr/>
+        </p:nvSpPr>
+        <p:spPr>
+          <a:xfrm>
+            <a:off x="2286000" y="3244850"/>
+            <a:ext cx="4572000" cy="368300"/>
+          </a:xfrm>
+          <a:prstGeom prst="rect">
+            <a:avLst/>
+          </a:prstGeom>
+          <a:noFill/>
+        </p:spPr>
+        <p:txBody>
+          <a:bodyPr wrap="square" rtlCol="0">
+            <a:spAutoFit/>
+          </a:bodyPr>
+          <a:p>
+            <a:pPr algn="just"/>
+            <a:r>
+              <a:rPr lang="en-US" altLang="en-US" sz="900" b="1">
+                <a:latin typeface="+mn-lt"/>
+                <a:cs typeface="+mn-lt"/>
+                <a:sym typeface="+mn-ea"/>
+              </a:rPr>
+              <a:t>642</a:t>
+            </a:r>
+            <a:endParaRPr lang="en-US" altLang="en-US" sz="900" b="1">
+              <a:latin typeface="+mn-lt"/>
+              <a:cs typeface="+mn-lt"/>
+            </a:endParaRPr>
+          </a:p>
+          <a:p>
+            <a:pPr algn="just"/>
+            <a:r>
+              <a:rPr lang="en-US" altLang="en-US" sz="900" b="1">
+                <a:latin typeface="+mn-lt"/>
+                <a:cs typeface="+mn-lt"/>
+                <a:sym typeface="+mn-ea"/>
+              </a:rPr>
+              <a:t>Farden Hossain                      2512532642</a:t>
+            </a:r>
+            <a:endParaRPr lang="en-US" altLang="en-US" sz="900" b="1">
+              <a:latin typeface="+mn-lt"/>
+              <a:cs typeface="+mn-lt"/>
+            </a:endParaRPr>
+          </a:p>
+        </p:txBody>
+      </p:sp>
+      <p:sp>
+        <p:nvSpPr>
+          <p:cNvPr id="18" name="Text Box 17"/>
+          <p:cNvSpPr txBox="1"/>
+          <p:nvPr/>
+        </p:nvSpPr>
+        <p:spPr>
+          <a:xfrm>
+            <a:off x="6550025" y="4949190"/>
+            <a:ext cx="2502535" cy="767080"/>
+          </a:xfrm>
+          <a:prstGeom prst="rect">
+            <a:avLst/>
+          </a:prstGeom>
+          <a:noFill/>
+        </p:spPr>
+        <p:txBody>
+          <a:bodyPr wrap="square" rtlCol="0" anchor="t">
+            <a:noAutofit/>
+          </a:bodyPr>
+          <a:p>
+            <a:r>
+              <a:rPr lang="en-US" altLang="en-US" sz="900" b="1">
+                <a:latin typeface="+mn-lt"/>
+                <a:cs typeface="+mn-lt"/>
+                <a:sym typeface="+mn-ea"/>
+              </a:rPr>
+              <a:t>·Course: CSE115.2</a:t>
+            </a:r>
+            <a:endParaRPr lang="en-US" altLang="en-US" sz="900" b="1">
+              <a:latin typeface="+mn-lt"/>
+              <a:cs typeface="+mn-lt"/>
+            </a:endParaRPr>
+          </a:p>
+          <a:p>
+            <a:r>
+              <a:rPr lang="en-US" altLang="en-US" sz="900" b="1">
+                <a:latin typeface="+mn-lt"/>
+                <a:cs typeface="+mn-lt"/>
+                <a:sym typeface="+mn-ea"/>
+              </a:rPr>
+              <a:t>Group-4</a:t>
+            </a:r>
+            <a:endParaRPr lang="en-US" altLang="en-US" sz="900" b="1">
+              <a:latin typeface="+mn-lt"/>
+              <a:cs typeface="+mn-lt"/>
+            </a:endParaRPr>
+          </a:p>
+          <a:p>
+            <a:endParaRPr lang="en-US" altLang="en-US" sz="900" b="1">
+              <a:latin typeface="+mn-lt"/>
+              <a:cs typeface="+mn-lt"/>
+            </a:endParaRPr>
+          </a:p>
+          <a:p>
+            <a:r>
+              <a:rPr lang="en-US" altLang="en-US" sz="900" b="1">
+                <a:latin typeface="+mn-lt"/>
+                <a:cs typeface="+mn-lt"/>
+                <a:sym typeface="+mn-ea"/>
+              </a:rPr>
+              <a:t>Jayonti Sarker                         1911069042</a:t>
+            </a:r>
+            <a:endParaRPr lang="en-US" altLang="en-US" sz="900" b="1">
+              <a:latin typeface="+mn-lt"/>
+              <a:cs typeface="+mn-lt"/>
+            </a:endParaRPr>
+          </a:p>
+          <a:p>
+            <a:r>
+              <a:rPr lang="en-US" altLang="en-US" sz="900" b="1">
+                <a:latin typeface="+mn-lt"/>
+                <a:cs typeface="+mn-lt"/>
+                <a:sym typeface="+mn-ea"/>
+              </a:rPr>
+              <a:t>MD Nahim                               2514251042</a:t>
+            </a:r>
+            <a:endParaRPr lang="en-US" altLang="en-US" sz="900" b="1">
+              <a:latin typeface="+mn-lt"/>
+              <a:cs typeface="+mn-lt"/>
+            </a:endParaRPr>
+          </a:p>
+          <a:p>
+            <a:r>
+              <a:rPr lang="en-US" altLang="en-US" sz="900" b="1">
+                <a:latin typeface="+mn-lt"/>
+                <a:cs typeface="+mn-lt"/>
+                <a:sym typeface="+mn-ea"/>
+              </a:rPr>
+              <a:t>Mohammad Ali                        2512818642</a:t>
+            </a:r>
+            <a:endParaRPr lang="en-US" altLang="en-US" sz="900" b="1">
+              <a:latin typeface="+mn-lt"/>
+              <a:cs typeface="+mn-lt"/>
+            </a:endParaRPr>
+          </a:p>
+          <a:p>
+            <a:r>
+              <a:rPr lang="en-US" altLang="en-US" sz="900" b="1">
+                <a:latin typeface="+mn-lt"/>
+                <a:cs typeface="+mn-lt"/>
+                <a:sym typeface="+mn-ea"/>
+              </a:rPr>
+              <a:t>Afif Ahmed Chowdhury           2513880642</a:t>
+            </a:r>
+            <a:endParaRPr lang="en-US" altLang="en-US" sz="900" b="1">
+              <a:latin typeface="+mn-lt"/>
+              <a:cs typeface="+mn-lt"/>
+            </a:endParaRPr>
+          </a:p>
+          <a:p>
+            <a:r>
+              <a:rPr lang="en-US" altLang="en-US" sz="900" b="1">
+                <a:latin typeface="+mn-lt"/>
+                <a:cs typeface="+mn-lt"/>
+                <a:sym typeface="+mn-ea"/>
+              </a:rPr>
+              <a:t>Farden Hossain                      2512532642</a:t>
+            </a:r>
+            <a:endParaRPr lang="en-US" altLang="en-US" sz="900" b="1">
+              <a:latin typeface="+mn-lt"/>
+              <a:cs typeface="+mn-lt"/>
+              <a:sym typeface="+mn-ea"/>
             </a:endParaRPr>
           </a:p>
         </p:txBody>
@@ -4708,6 +5598,135 @@
           </a:p>
         </p:txBody>
       </p:sp>
+      <p:sp>
+        <p:nvSpPr>
+          <p:cNvPr id="4" name="Text Box 3"/>
+          <p:cNvSpPr txBox="1"/>
+          <p:nvPr/>
+        </p:nvSpPr>
+        <p:spPr>
+          <a:xfrm>
+            <a:off x="2344420" y="5788025"/>
+            <a:ext cx="5323840" cy="1337945"/>
+          </a:xfrm>
+          <a:prstGeom prst="rect">
+            <a:avLst/>
+          </a:prstGeom>
+          <a:noFill/>
+        </p:spPr>
+        <p:txBody>
+          <a:bodyPr wrap="square" rtlCol="0">
+            <a:spAutoFit/>
+          </a:bodyPr>
+          <a:p>
+            <a:r>
+              <a:rPr lang="en-US" altLang="en-US" sz="900" b="1">
+                <a:latin typeface="+mn-lt"/>
+                <a:cs typeface="+mn-lt"/>
+                <a:sym typeface="+mn-ea"/>
+              </a:rPr>
+              <a:t>·Course: CSE115.2</a:t>
+            </a:r>
+            <a:endParaRPr lang="en-US" altLang="en-US" sz="900" b="1">
+              <a:latin typeface="+mn-lt"/>
+              <a:cs typeface="+mn-lt"/>
+            </a:endParaRPr>
+          </a:p>
+          <a:p>
+            <a:r>
+              <a:rPr lang="en-US" altLang="en-US" sz="900" b="1">
+                <a:latin typeface="+mn-lt"/>
+                <a:cs typeface="+mn-lt"/>
+                <a:sym typeface="+mn-ea"/>
+              </a:rPr>
+              <a:t>Group-4</a:t>
+            </a:r>
+            <a:endParaRPr lang="en-US" altLang="en-US" sz="900" b="1">
+              <a:latin typeface="+mn-lt"/>
+              <a:cs typeface="+mn-lt"/>
+            </a:endParaRPr>
+          </a:p>
+          <a:p>
+            <a:endParaRPr lang="en-US" altLang="en-US" sz="900" b="1">
+              <a:latin typeface="+mn-lt"/>
+              <a:cs typeface="+mn-lt"/>
+            </a:endParaRPr>
+          </a:p>
+          <a:p>
+            <a:r>
+              <a:rPr lang="en-US" altLang="en-US" sz="900" b="1">
+                <a:latin typeface="+mn-lt"/>
+                <a:cs typeface="+mn-lt"/>
+                <a:sym typeface="+mn-ea"/>
+              </a:rPr>
+              <a:t>Jayonti Sarker                         1911069042</a:t>
+            </a:r>
+            <a:endParaRPr lang="en-US" altLang="en-US" sz="900" b="1">
+              <a:latin typeface="+mn-lt"/>
+              <a:cs typeface="+mn-lt"/>
+            </a:endParaRPr>
+          </a:p>
+          <a:p>
+            <a:r>
+              <a:rPr lang="en-US" altLang="en-US" sz="900" b="1">
+                <a:latin typeface="+mn-lt"/>
+                <a:cs typeface="+mn-lt"/>
+                <a:sym typeface="+mn-ea"/>
+              </a:rPr>
+              <a:t>MD Nahim                               2514251042</a:t>
+            </a:r>
+            <a:endParaRPr lang="en-US" altLang="en-US" sz="900" b="1">
+              <a:latin typeface="+mn-lt"/>
+              <a:cs typeface="+mn-lt"/>
+            </a:endParaRPr>
+          </a:p>
+          <a:p>
+            <a:r>
+              <a:rPr lang="en-US" altLang="en-US" sz="900" b="1">
+                <a:latin typeface="+mn-lt"/>
+                <a:cs typeface="+mn-lt"/>
+                <a:sym typeface="+mn-ea"/>
+              </a:rPr>
+              <a:t>Mohammad Ali                        2512818642</a:t>
+            </a:r>
+            <a:endParaRPr lang="en-US" altLang="en-US" sz="900" b="1">
+              <a:latin typeface="+mn-lt"/>
+              <a:cs typeface="+mn-lt"/>
+            </a:endParaRPr>
+          </a:p>
+          <a:p>
+            <a:r>
+              <a:rPr lang="en-US" altLang="en-US" sz="900" b="1">
+                <a:latin typeface="+mn-lt"/>
+                <a:cs typeface="+mn-lt"/>
+                <a:sym typeface="+mn-ea"/>
+              </a:rPr>
+              <a:t>Afif Ahmed Chowdhury           2513880642</a:t>
+            </a:r>
+            <a:endParaRPr lang="en-US" altLang="en-US" sz="900" b="1">
+              <a:latin typeface="+mn-lt"/>
+              <a:cs typeface="+mn-lt"/>
+            </a:endParaRPr>
+          </a:p>
+          <a:p>
+            <a:r>
+              <a:rPr lang="en-US" altLang="en-US" sz="900" b="1">
+                <a:latin typeface="+mn-lt"/>
+                <a:cs typeface="+mn-lt"/>
+                <a:sym typeface="+mn-ea"/>
+              </a:rPr>
+              <a:t>Farden Hossain                      2512532642</a:t>
+            </a:r>
+            <a:endParaRPr lang="en-US" altLang="en-US" sz="900" b="1">
+              <a:latin typeface="+mn-lt"/>
+              <a:cs typeface="+mn-lt"/>
+            </a:endParaRPr>
+          </a:p>
+          <a:p>
+            <a:endParaRPr lang="en-US" sz="900"/>
+          </a:p>
+        </p:txBody>
+      </p:sp>
     </p:spTree>
   </p:cSld>
   <p:clrMapOvr>
@@ -4855,6 +5874,135 @@
           </a:p>
         </p:txBody>
       </p:sp>
+      <p:sp>
+        <p:nvSpPr>
+          <p:cNvPr id="4" name="Text Box 3"/>
+          <p:cNvSpPr txBox="1"/>
+          <p:nvPr/>
+        </p:nvSpPr>
+        <p:spPr>
+          <a:xfrm>
+            <a:off x="2402840" y="5523865"/>
+            <a:ext cx="3896995" cy="1337945"/>
+          </a:xfrm>
+          <a:prstGeom prst="rect">
+            <a:avLst/>
+          </a:prstGeom>
+          <a:noFill/>
+        </p:spPr>
+        <p:txBody>
+          <a:bodyPr wrap="square" rtlCol="0">
+            <a:spAutoFit/>
+          </a:bodyPr>
+          <a:p>
+            <a:r>
+              <a:rPr lang="en-US" altLang="en-US" sz="900" b="1">
+                <a:latin typeface="+mn-lt"/>
+                <a:cs typeface="+mn-lt"/>
+                <a:sym typeface="+mn-ea"/>
+              </a:rPr>
+              <a:t>·Course: CSE115.2</a:t>
+            </a:r>
+            <a:endParaRPr lang="en-US" altLang="en-US" sz="900" b="1">
+              <a:latin typeface="+mn-lt"/>
+              <a:cs typeface="+mn-lt"/>
+            </a:endParaRPr>
+          </a:p>
+          <a:p>
+            <a:r>
+              <a:rPr lang="en-US" altLang="en-US" sz="900" b="1">
+                <a:latin typeface="+mn-lt"/>
+                <a:cs typeface="+mn-lt"/>
+                <a:sym typeface="+mn-ea"/>
+              </a:rPr>
+              <a:t>Group-4</a:t>
+            </a:r>
+            <a:endParaRPr lang="en-US" altLang="en-US" sz="900" b="1">
+              <a:latin typeface="+mn-lt"/>
+              <a:cs typeface="+mn-lt"/>
+            </a:endParaRPr>
+          </a:p>
+          <a:p>
+            <a:endParaRPr lang="en-US" altLang="en-US" sz="900" b="1">
+              <a:latin typeface="+mn-lt"/>
+              <a:cs typeface="+mn-lt"/>
+            </a:endParaRPr>
+          </a:p>
+          <a:p>
+            <a:r>
+              <a:rPr lang="en-US" altLang="en-US" sz="900" b="1">
+                <a:latin typeface="+mn-lt"/>
+                <a:cs typeface="+mn-lt"/>
+                <a:sym typeface="+mn-ea"/>
+              </a:rPr>
+              <a:t>Jayonti Sarker                         1911069042</a:t>
+            </a:r>
+            <a:endParaRPr lang="en-US" altLang="en-US" sz="900" b="1">
+              <a:latin typeface="+mn-lt"/>
+              <a:cs typeface="+mn-lt"/>
+            </a:endParaRPr>
+          </a:p>
+          <a:p>
+            <a:r>
+              <a:rPr lang="en-US" altLang="en-US" sz="900" b="1">
+                <a:latin typeface="+mn-lt"/>
+                <a:cs typeface="+mn-lt"/>
+                <a:sym typeface="+mn-ea"/>
+              </a:rPr>
+              <a:t>MD Nahim                               2514251042</a:t>
+            </a:r>
+            <a:endParaRPr lang="en-US" altLang="en-US" sz="900" b="1">
+              <a:latin typeface="+mn-lt"/>
+              <a:cs typeface="+mn-lt"/>
+            </a:endParaRPr>
+          </a:p>
+          <a:p>
+            <a:r>
+              <a:rPr lang="en-US" altLang="en-US" sz="900" b="1">
+                <a:latin typeface="+mn-lt"/>
+                <a:cs typeface="+mn-lt"/>
+                <a:sym typeface="+mn-ea"/>
+              </a:rPr>
+              <a:t>Mohammad Ali                        2512818642</a:t>
+            </a:r>
+            <a:endParaRPr lang="en-US" altLang="en-US" sz="900" b="1">
+              <a:latin typeface="+mn-lt"/>
+              <a:cs typeface="+mn-lt"/>
+            </a:endParaRPr>
+          </a:p>
+          <a:p>
+            <a:r>
+              <a:rPr lang="en-US" altLang="en-US" sz="900" b="1">
+                <a:latin typeface="+mn-lt"/>
+                <a:cs typeface="+mn-lt"/>
+                <a:sym typeface="+mn-ea"/>
+              </a:rPr>
+              <a:t>Afif Ahmed Chowdhury           2513880642</a:t>
+            </a:r>
+            <a:endParaRPr lang="en-US" altLang="en-US" sz="900" b="1">
+              <a:latin typeface="+mn-lt"/>
+              <a:cs typeface="+mn-lt"/>
+            </a:endParaRPr>
+          </a:p>
+          <a:p>
+            <a:r>
+              <a:rPr lang="en-US" altLang="en-US" sz="900" b="1">
+                <a:latin typeface="+mn-lt"/>
+                <a:cs typeface="+mn-lt"/>
+                <a:sym typeface="+mn-ea"/>
+              </a:rPr>
+              <a:t>Farden Hossain                      2512532642</a:t>
+            </a:r>
+            <a:endParaRPr lang="en-US" altLang="en-US" sz="900" b="1">
+              <a:latin typeface="+mn-lt"/>
+              <a:cs typeface="+mn-lt"/>
+            </a:endParaRPr>
+          </a:p>
+          <a:p>
+            <a:endParaRPr lang="en-US" sz="900"/>
+          </a:p>
+        </p:txBody>
+      </p:sp>
     </p:spTree>
   </p:cSld>
   <p:clrMapOvr>
@@ -5031,6 +6179,135 @@
               <a:latin typeface="Times New Roman" panose="02020603050405020304" charset="0"/>
               <a:cs typeface="Times New Roman" panose="02020603050405020304" charset="0"/>
             </a:endParaRPr>
+          </a:p>
+        </p:txBody>
+      </p:sp>
+      <p:sp>
+        <p:nvSpPr>
+          <p:cNvPr id="4" name="Text Box 3"/>
+          <p:cNvSpPr txBox="1"/>
+          <p:nvPr/>
+        </p:nvSpPr>
+        <p:spPr>
+          <a:xfrm>
+            <a:off x="1978025" y="5465445"/>
+            <a:ext cx="5690235" cy="1337945"/>
+          </a:xfrm>
+          <a:prstGeom prst="rect">
+            <a:avLst/>
+          </a:prstGeom>
+          <a:noFill/>
+        </p:spPr>
+        <p:txBody>
+          <a:bodyPr wrap="square" rtlCol="0">
+            <a:spAutoFit/>
+          </a:bodyPr>
+          <a:p>
+            <a:r>
+              <a:rPr lang="en-US" altLang="en-US" sz="900" b="1">
+                <a:latin typeface="+mn-lt"/>
+                <a:cs typeface="+mn-lt"/>
+                <a:sym typeface="+mn-ea"/>
+              </a:rPr>
+              <a:t>·Course: CSE115.2</a:t>
+            </a:r>
+            <a:endParaRPr lang="en-US" altLang="en-US" sz="900" b="1">
+              <a:latin typeface="+mn-lt"/>
+              <a:cs typeface="+mn-lt"/>
+            </a:endParaRPr>
+          </a:p>
+          <a:p>
+            <a:r>
+              <a:rPr lang="en-US" altLang="en-US" sz="900" b="1">
+                <a:latin typeface="+mn-lt"/>
+                <a:cs typeface="+mn-lt"/>
+                <a:sym typeface="+mn-ea"/>
+              </a:rPr>
+              <a:t>Group-4</a:t>
+            </a:r>
+            <a:endParaRPr lang="en-US" altLang="en-US" sz="900" b="1">
+              <a:latin typeface="+mn-lt"/>
+              <a:cs typeface="+mn-lt"/>
+            </a:endParaRPr>
+          </a:p>
+          <a:p>
+            <a:endParaRPr lang="en-US" altLang="en-US" sz="900" b="1">
+              <a:latin typeface="+mn-lt"/>
+              <a:cs typeface="+mn-lt"/>
+            </a:endParaRPr>
+          </a:p>
+          <a:p>
+            <a:r>
+              <a:rPr lang="en-US" altLang="en-US" sz="900" b="1">
+                <a:latin typeface="+mn-lt"/>
+                <a:cs typeface="+mn-lt"/>
+                <a:sym typeface="+mn-ea"/>
+              </a:rPr>
+              <a:t>Jayonti Sarker                         1911069042</a:t>
+            </a:r>
+            <a:endParaRPr lang="en-US" altLang="en-US" sz="900" b="1">
+              <a:latin typeface="+mn-lt"/>
+              <a:cs typeface="+mn-lt"/>
+            </a:endParaRPr>
+          </a:p>
+          <a:p>
+            <a:r>
+              <a:rPr lang="en-US" altLang="en-US" sz="900" b="1">
+                <a:latin typeface="+mn-lt"/>
+                <a:cs typeface="+mn-lt"/>
+                <a:sym typeface="+mn-ea"/>
+              </a:rPr>
+              <a:t>MD Nahim                               2514251042</a:t>
+            </a:r>
+            <a:endParaRPr lang="en-US" altLang="en-US" sz="900" b="1">
+              <a:latin typeface="+mn-lt"/>
+              <a:cs typeface="+mn-lt"/>
+            </a:endParaRPr>
+          </a:p>
+          <a:p>
+            <a:r>
+              <a:rPr lang="en-US" altLang="en-US" sz="900" b="1">
+                <a:latin typeface="+mn-lt"/>
+                <a:cs typeface="+mn-lt"/>
+                <a:sym typeface="+mn-ea"/>
+              </a:rPr>
+              <a:t>Mohammad Ali                        2512818642</a:t>
+            </a:r>
+            <a:endParaRPr lang="en-US" altLang="en-US" sz="900" b="1">
+              <a:latin typeface="+mn-lt"/>
+              <a:cs typeface="+mn-lt"/>
+            </a:endParaRPr>
+          </a:p>
+          <a:p>
+            <a:r>
+              <a:rPr lang="en-US" altLang="en-US" sz="900" b="1">
+                <a:latin typeface="+mn-lt"/>
+                <a:cs typeface="+mn-lt"/>
+                <a:sym typeface="+mn-ea"/>
+              </a:rPr>
+              <a:t>Afif Ahmed Chowdhury           2513880642</a:t>
+            </a:r>
+            <a:endParaRPr lang="en-US" altLang="en-US" sz="900" b="1">
+              <a:latin typeface="+mn-lt"/>
+              <a:cs typeface="+mn-lt"/>
+            </a:endParaRPr>
+          </a:p>
+          <a:p>
+            <a:r>
+              <a:rPr lang="en-US" altLang="en-US" sz="900" b="1">
+                <a:latin typeface="+mn-lt"/>
+                <a:cs typeface="+mn-lt"/>
+                <a:sym typeface="+mn-ea"/>
+              </a:rPr>
+              <a:t>Farden Hossain                      2512532642</a:t>
+            </a:r>
+            <a:endParaRPr lang="en-US" altLang="en-US" sz="900" b="1">
+              <a:latin typeface="+mn-lt"/>
+              <a:cs typeface="+mn-lt"/>
+            </a:endParaRPr>
+          </a:p>
+          <a:p>
+            <a:endParaRPr lang="en-US" sz="900"/>
           </a:p>
         </p:txBody>
       </p:sp>
